--- a/What's Breakfast - Presentation.pptx
+++ b/What's Breakfast - Presentation.pptx
@@ -8,11 +8,12 @@
     <p:sldId id="256" r:id="rId2"/>
     <p:sldId id="257" r:id="rId3"/>
     <p:sldId id="258" r:id="rId4"/>
-    <p:sldId id="259" r:id="rId5"/>
-    <p:sldId id="260" r:id="rId6"/>
-    <p:sldId id="261" r:id="rId7"/>
-    <p:sldId id="262" r:id="rId8"/>
-    <p:sldId id="263" r:id="rId9"/>
+    <p:sldId id="264" r:id="rId5"/>
+    <p:sldId id="259" r:id="rId6"/>
+    <p:sldId id="260" r:id="rId7"/>
+    <p:sldId id="261" r:id="rId8"/>
+    <p:sldId id="262" r:id="rId9"/>
+    <p:sldId id="263" r:id="rId10"/>
   </p:sldIdLst>
   <p:sldSz cx="12192000" cy="6858000"/>
   <p:notesSz cx="6858000" cy="9144000"/>
@@ -111,6 +112,11 @@
       </a:defRPr>
     </a:lvl9pPr>
   </p:defaultTextStyle>
+  <p:extLst>
+    <p:ext uri="{EFAFB233-063F-42B5-8137-9DF3F51BA10A}">
+      <p15:sldGuideLst xmlns:p15="http://schemas.microsoft.com/office/powerpoint/2012/main"/>
+    </p:ext>
+  </p:extLst>
 </p:presentation>
 </file>
 
@@ -284,7 +290,7 @@
             <a:fld id="{87DE6118-2437-4B30-8E3C-4D2BE6020583}" type="datetimeFigureOut">
               <a:rPr lang="en-US" dirty="0"/>
               <a:pPr/>
-              <a:t>7/21/19</a:t>
+              <a:t>7/23/19</a:t>
             </a:fld>
             <a:endParaRPr lang="en-US" dirty="0"/>
           </a:p>
@@ -610,7 +616,7 @@
           <a:p>
             <a:fld id="{87DE6118-2437-4B30-8E3C-4D2BE6020583}" type="datetimeFigureOut">
               <a:rPr lang="en-US" dirty="0"/>
-              <a:t>7/21/19</a:t>
+              <a:t>7/23/19</a:t>
             </a:fld>
             <a:endParaRPr lang="en-US" dirty="0"/>
           </a:p>
@@ -785,7 +791,7 @@
           <a:p>
             <a:fld id="{87DE6118-2437-4B30-8E3C-4D2BE6020583}" type="datetimeFigureOut">
               <a:rPr lang="en-US" dirty="0"/>
-              <a:t>7/21/19</a:t>
+              <a:t>7/23/19</a:t>
             </a:fld>
             <a:endParaRPr lang="en-US" dirty="0"/>
           </a:p>
@@ -950,7 +956,7 @@
           <a:p>
             <a:fld id="{87DE6118-2437-4B30-8E3C-4D2BE6020583}" type="datetimeFigureOut">
               <a:rPr lang="en-US" dirty="0"/>
-              <a:t>7/21/19</a:t>
+              <a:t>7/23/19</a:t>
             </a:fld>
             <a:endParaRPr lang="en-US" dirty="0"/>
           </a:p>
@@ -1223,7 +1229,7 @@
             <a:fld id="{87DE6118-2437-4B30-8E3C-4D2BE6020583}" type="datetimeFigureOut">
               <a:rPr lang="en-US" dirty="0"/>
               <a:pPr/>
-              <a:t>7/21/19</a:t>
+              <a:t>7/23/19</a:t>
             </a:fld>
             <a:endParaRPr lang="en-US" dirty="0"/>
           </a:p>
@@ -1613,7 +1619,7 @@
           <a:p>
             <a:fld id="{87DE6118-2437-4B30-8E3C-4D2BE6020583}" type="datetimeFigureOut">
               <a:rPr lang="en-US" dirty="0"/>
-              <a:t>7/21/19</a:t>
+              <a:t>7/23/19</a:t>
             </a:fld>
             <a:endParaRPr lang="en-US" dirty="0"/>
           </a:p>
@@ -2085,7 +2091,7 @@
           <a:p>
             <a:fld id="{87DE6118-2437-4B30-8E3C-4D2BE6020583}" type="datetimeFigureOut">
               <a:rPr lang="en-US" dirty="0"/>
-              <a:t>7/21/19</a:t>
+              <a:t>7/23/19</a:t>
             </a:fld>
             <a:endParaRPr lang="en-US" dirty="0"/>
           </a:p>
@@ -2198,7 +2204,7 @@
           <a:p>
             <a:fld id="{87DE6118-2437-4B30-8E3C-4D2BE6020583}" type="datetimeFigureOut">
               <a:rPr lang="en-US" dirty="0"/>
-              <a:t>7/21/19</a:t>
+              <a:t>7/23/19</a:t>
             </a:fld>
             <a:endParaRPr lang="en-US" dirty="0"/>
           </a:p>
@@ -2288,7 +2294,7 @@
           <a:p>
             <a:fld id="{87DE6118-2437-4B30-8E3C-4D2BE6020583}" type="datetimeFigureOut">
               <a:rPr lang="en-US" dirty="0"/>
-              <a:t>7/21/19</a:t>
+              <a:t>7/23/19</a:t>
             </a:fld>
             <a:endParaRPr lang="en-US" dirty="0"/>
           </a:p>
@@ -2630,7 +2636,7 @@
             <a:fld id="{87DE6118-2437-4B30-8E3C-4D2BE6020583}" type="datetimeFigureOut">
               <a:rPr lang="en-US" dirty="0"/>
               <a:pPr/>
-              <a:t>7/21/19</a:t>
+              <a:t>7/23/19</a:t>
             </a:fld>
             <a:endParaRPr lang="en-US" dirty="0"/>
           </a:p>
@@ -3015,7 +3021,7 @@
             <a:fld id="{87DE6118-2437-4B30-8E3C-4D2BE6020583}" type="datetimeFigureOut">
               <a:rPr lang="en-US" dirty="0"/>
               <a:pPr/>
-              <a:t>7/21/19</a:t>
+              <a:t>7/23/19</a:t>
             </a:fld>
             <a:endParaRPr lang="en-US" dirty="0"/>
           </a:p>
@@ -3290,7 +3296,7 @@
             <a:fld id="{87DE6118-2437-4B30-8E3C-4D2BE6020583}" type="datetimeFigureOut">
               <a:rPr lang="en-US" dirty="0"/>
               <a:pPr/>
-              <a:t>7/21/19</a:t>
+              <a:t>7/23/19</a:t>
             </a:fld>
             <a:endParaRPr lang="en-US" dirty="0"/>
           </a:p>
@@ -4435,7 +4441,7 @@
         </p:spPr>
         <p:txBody>
           <a:bodyPr>
-            <a:normAutofit lnSpcReduction="10000"/>
+            <a:normAutofit fontScale="92500" lnSpcReduction="10000"/>
           </a:bodyPr>
           <a:lstStyle/>
           <a:p>
@@ -4467,16 +4473,9 @@
           <a:p>
             <a:r>
               <a:rPr lang="en-US" dirty="0"/>
-              <a:t>Create a subset of data with few classes(3) – </a:t>
-            </a:r>
-            <a:r>
-              <a:rPr lang="en-US" b="1" dirty="0" err="1"/>
-              <a:t>french</a:t>
-            </a:r>
-            <a:r>
-              <a:rPr lang="en-US" b="1" dirty="0"/>
-              <a:t> toast, omelet, waffle</a:t>
-            </a:r>
+              <a:t>Create a subset of data with few classes*</a:t>
+            </a:r>
+            <a:endParaRPr lang="en-US" b="1" dirty="0"/>
           </a:p>
           <a:p>
             <a:r>
@@ -4582,165 +4581,726 @@
           <a:chExt cx="0" cy="0"/>
         </a:xfrm>
       </p:grpSpPr>
-      <p:sp>
-        <p:nvSpPr>
-          <p:cNvPr id="2" name="Title 1">
+      <p:cxnSp>
+        <p:nvCxnSpPr>
+          <p:cNvPr id="22" name="Straight Connector 21">
             <a:extLst>
               <a:ext uri="{FF2B5EF4-FFF2-40B4-BE49-F238E27FC236}">
-                <a16:creationId xmlns:a16="http://schemas.microsoft.com/office/drawing/2014/main" id="{1F3A9D0C-D02F-674A-9188-88D06BC3DFE1}"/>
+                <a16:creationId xmlns:a16="http://schemas.microsoft.com/office/drawing/2014/main" id="{30DE5C6B-2231-4047-B881-A5E6CABF76D7}"/>
               </a:ext>
             </a:extLst>
           </p:cNvPr>
-          <p:cNvSpPr>
-            <a:spLocks noGrp="1"/>
-          </p:cNvSpPr>
-          <p:nvPr>
-            <p:ph type="title"/>
-          </p:nvPr>
-        </p:nvSpPr>
-        <p:spPr>
-          <a:xfrm>
-            <a:off x="1371600" y="423746"/>
-            <a:ext cx="9601200" cy="1485900"/>
-          </a:xfrm>
-        </p:spPr>
-        <p:txBody>
-          <a:bodyPr/>
-          <a:lstStyle/>
-          <a:p>
-            <a:r>
-              <a:rPr lang="en-US" b="1" u="sng" dirty="0"/>
-              <a:t>Model Outline</a:t>
-            </a:r>
-            <a:br>
-              <a:rPr lang="en-US" dirty="0"/>
-            </a:br>
-            <a:endParaRPr lang="en-US" dirty="0"/>
-          </a:p>
-        </p:txBody>
-      </p:sp>
-      <p:sp>
-        <p:nvSpPr>
-          <p:cNvPr id="3" name="Content Placeholder 2">
+          <p:cNvCxnSpPr>
+            <a:cxnSpLocks/>
+            <a:endCxn id="13" idx="0"/>
+          </p:cNvCxnSpPr>
+          <p:nvPr/>
+        </p:nvCxnSpPr>
+        <p:spPr>
+          <a:xfrm flipH="1">
+            <a:off x="2559269" y="2291254"/>
+            <a:ext cx="52554" cy="3005959"/>
+          </a:xfrm>
+          <a:prstGeom prst="line">
+            <a:avLst/>
+          </a:prstGeom>
+        </p:spPr>
+        <p:style>
+          <a:lnRef idx="2">
+            <a:schemeClr val="accent1"/>
+          </a:lnRef>
+          <a:fillRef idx="0">
+            <a:schemeClr val="accent1"/>
+          </a:fillRef>
+          <a:effectRef idx="1">
+            <a:schemeClr val="accent1"/>
+          </a:effectRef>
+          <a:fontRef idx="minor">
+            <a:schemeClr val="tx1"/>
+          </a:fontRef>
+        </p:style>
+      </p:cxnSp>
+      <p:cxnSp>
+        <p:nvCxnSpPr>
+          <p:cNvPr id="24" name="Straight Connector 23">
             <a:extLst>
               <a:ext uri="{FF2B5EF4-FFF2-40B4-BE49-F238E27FC236}">
-                <a16:creationId xmlns:a16="http://schemas.microsoft.com/office/drawing/2014/main" id="{98C05C24-34CC-7245-AEBE-E70B48D48D7A}"/>
+                <a16:creationId xmlns:a16="http://schemas.microsoft.com/office/drawing/2014/main" id="{99F47A48-ECE9-2A40-A55A-186DC7F1C436}"/>
               </a:ext>
             </a:extLst>
           </p:cNvPr>
-          <p:cNvSpPr>
-            <a:spLocks noGrp="1"/>
-          </p:cNvSpPr>
-          <p:nvPr>
-            <p:ph idx="1"/>
-          </p:nvPr>
-        </p:nvSpPr>
-        <p:spPr>
-          <a:xfrm>
-            <a:off x="1371600" y="1315843"/>
-            <a:ext cx="9601200" cy="4895386"/>
-          </a:xfrm>
-        </p:spPr>
-        <p:txBody>
-          <a:bodyPr>
-            <a:normAutofit fontScale="92500" lnSpcReduction="20000"/>
-          </a:bodyPr>
+          <p:cNvCxnSpPr>
+            <a:cxnSpLocks/>
+          </p:cNvCxnSpPr>
+          <p:nvPr/>
+        </p:nvCxnSpPr>
+        <p:spPr>
+          <a:xfrm>
+            <a:off x="4784836" y="2291254"/>
+            <a:ext cx="0" cy="3005959"/>
+          </a:xfrm>
+          <a:prstGeom prst="line">
+            <a:avLst/>
+          </a:prstGeom>
+        </p:spPr>
+        <p:style>
+          <a:lnRef idx="2">
+            <a:schemeClr val="accent1"/>
+          </a:lnRef>
+          <a:fillRef idx="0">
+            <a:schemeClr val="accent1"/>
+          </a:fillRef>
+          <a:effectRef idx="1">
+            <a:schemeClr val="accent1"/>
+          </a:effectRef>
+          <a:fontRef idx="minor">
+            <a:schemeClr val="tx1"/>
+          </a:fontRef>
+        </p:style>
+      </p:cxnSp>
+      <p:sp>
+        <p:nvSpPr>
+          <p:cNvPr id="5" name="Title 4">
+            <a:extLst>
+              <a:ext uri="{FF2B5EF4-FFF2-40B4-BE49-F238E27FC236}">
+                <a16:creationId xmlns:a16="http://schemas.microsoft.com/office/drawing/2014/main" id="{E5417907-2B29-FA44-AAB3-7065BA2EA274}"/>
+              </a:ext>
+            </a:extLst>
+          </p:cNvPr>
+          <p:cNvSpPr>
+            <a:spLocks noGrp="1"/>
+          </p:cNvSpPr>
+          <p:nvPr>
+            <p:ph type="title"/>
+          </p:nvPr>
+        </p:nvSpPr>
+        <p:spPr>
+          <a:xfrm>
+            <a:off x="1371600" y="526832"/>
+            <a:ext cx="9601200" cy="1485900"/>
+          </a:xfrm>
+        </p:spPr>
+        <p:txBody>
+          <a:bodyPr/>
           <a:lstStyle/>
           <a:p>
             <a:r>
-              <a:rPr lang="en-US" dirty="0"/>
-              <a:t>Split the image data into train and test</a:t>
-            </a:r>
-          </a:p>
-          <a:p>
-            <a:r>
-              <a:rPr lang="en-US" dirty="0"/>
-              <a:t>Prepared “Training” dataset</a:t>
-            </a:r>
-          </a:p>
-          <a:p>
-            <a:r>
-              <a:rPr lang="en-US" dirty="0"/>
-              <a:t>Prepared “Testing” dataset</a:t>
-            </a:r>
-          </a:p>
-          <a:p>
-            <a:r>
-              <a:rPr lang="en-US" dirty="0"/>
-              <a:t>For computational efficiency, limited the dataset to 3 classes to develop the multiclass classification model</a:t>
-            </a:r>
-          </a:p>
-          <a:p>
-            <a:r>
-              <a:rPr lang="en-US" dirty="0"/>
-              <a:t>Generated separate data folders for each class</a:t>
-            </a:r>
-          </a:p>
-          <a:p>
-            <a:r>
-              <a:rPr lang="en-US" dirty="0"/>
-              <a:t>Fine tuned Inception Pretrained model </a:t>
-            </a:r>
-          </a:p>
-          <a:p>
-            <a:pPr lvl="1"/>
-            <a:r>
-              <a:rPr lang="en-US" dirty="0"/>
-              <a:t>Use Keras to provide pretrained model</a:t>
-            </a:r>
-          </a:p>
-          <a:p>
-            <a:pPr lvl="1"/>
-            <a:r>
-              <a:rPr lang="en-US" dirty="0"/>
-              <a:t>Using the pretrained model, we were able to use the already learned weights and add few layers on top to finetune the model to our new data</a:t>
-            </a:r>
-          </a:p>
-          <a:p>
-            <a:pPr lvl="1"/>
-            <a:r>
-              <a:rPr lang="en-US" dirty="0"/>
-              <a:t>This helps in faster convergence and saves time and computation when compared to models trained from scratch</a:t>
-            </a:r>
-          </a:p>
-          <a:p>
-            <a:r>
-              <a:rPr lang="en-US" dirty="0"/>
-              <a:t>Visualized the accuracy of the model</a:t>
-            </a:r>
-          </a:p>
-          <a:p>
-            <a:r>
-              <a:rPr lang="en-US" dirty="0"/>
-              <a:t>Predicted classes for new images from internet using the best trained model</a:t>
-            </a:r>
-          </a:p>
-          <a:p>
-            <a:r>
-              <a:rPr lang="en-US" dirty="0"/>
-              <a:t>Set compile=False and clearing the session leads to faster loading of the saved model</a:t>
-            </a:r>
-          </a:p>
-          <a:p>
-            <a:endParaRPr lang="en-US" dirty="0"/>
-          </a:p>
-          <a:p>
-            <a:pPr lvl="1"/>
-            <a:endParaRPr lang="en-US" dirty="0"/>
-          </a:p>
-          <a:p>
-            <a:pPr lvl="1"/>
-            <a:endParaRPr lang="en-US" dirty="0"/>
-          </a:p>
-          <a:p>
-            <a:endParaRPr lang="en-US" dirty="0"/>
-          </a:p>
-        </p:txBody>
-      </p:sp>
+              <a:rPr lang="en-US" b="1" u="sng" dirty="0"/>
+              <a:t>Multiclass Selection Model Description</a:t>
+            </a:r>
+          </a:p>
+        </p:txBody>
+      </p:sp>
+      <p:sp>
+        <p:nvSpPr>
+          <p:cNvPr id="6" name="Rectangle 5">
+            <a:extLst>
+              <a:ext uri="{FF2B5EF4-FFF2-40B4-BE49-F238E27FC236}">
+                <a16:creationId xmlns:a16="http://schemas.microsoft.com/office/drawing/2014/main" id="{DD941266-69DF-024D-B19A-11911EB6B244}"/>
+              </a:ext>
+            </a:extLst>
+          </p:cNvPr>
+          <p:cNvSpPr/>
+          <p:nvPr/>
+        </p:nvSpPr>
+        <p:spPr>
+          <a:xfrm>
+            <a:off x="1576552" y="2479289"/>
+            <a:ext cx="1965434" cy="553107"/>
+          </a:xfrm>
+          <a:prstGeom prst="rect">
+            <a:avLst/>
+          </a:prstGeom>
+        </p:spPr>
+        <p:style>
+          <a:lnRef idx="2">
+            <a:schemeClr val="accent1">
+              <a:shade val="50000"/>
+            </a:schemeClr>
+          </a:lnRef>
+          <a:fillRef idx="1">
+            <a:schemeClr val="accent1"/>
+          </a:fillRef>
+          <a:effectRef idx="0">
+            <a:schemeClr val="accent1"/>
+          </a:effectRef>
+          <a:fontRef idx="minor">
+            <a:schemeClr val="lt1"/>
+          </a:fontRef>
+        </p:style>
+        <p:txBody>
+          <a:bodyPr rtlCol="0" anchor="ctr"/>
+          <a:lstStyle/>
+          <a:p>
+            <a:pPr algn="ctr"/>
+            <a:r>
+              <a:rPr lang="en-US" dirty="0"/>
+              <a:t>French Toast</a:t>
+            </a:r>
+          </a:p>
+        </p:txBody>
+      </p:sp>
+      <p:sp>
+        <p:nvSpPr>
+          <p:cNvPr id="8" name="Rectangle 7">
+            <a:extLst>
+              <a:ext uri="{FF2B5EF4-FFF2-40B4-BE49-F238E27FC236}">
+                <a16:creationId xmlns:a16="http://schemas.microsoft.com/office/drawing/2014/main" id="{A60A8D35-710D-634F-80B5-E888DEA033DB}"/>
+              </a:ext>
+            </a:extLst>
+          </p:cNvPr>
+          <p:cNvSpPr/>
+          <p:nvPr/>
+        </p:nvSpPr>
+        <p:spPr>
+          <a:xfrm>
+            <a:off x="3710152" y="2516651"/>
+            <a:ext cx="1965434" cy="553107"/>
+          </a:xfrm>
+          <a:prstGeom prst="rect">
+            <a:avLst/>
+          </a:prstGeom>
+        </p:spPr>
+        <p:style>
+          <a:lnRef idx="2">
+            <a:schemeClr val="accent1">
+              <a:shade val="50000"/>
+            </a:schemeClr>
+          </a:lnRef>
+          <a:fillRef idx="1">
+            <a:schemeClr val="accent1"/>
+          </a:fillRef>
+          <a:effectRef idx="0">
+            <a:schemeClr val="accent1"/>
+          </a:effectRef>
+          <a:fontRef idx="minor">
+            <a:schemeClr val="lt1"/>
+          </a:fontRef>
+        </p:style>
+        <p:txBody>
+          <a:bodyPr rtlCol="0" anchor="ctr"/>
+          <a:lstStyle/>
+          <a:p>
+            <a:pPr algn="ctr"/>
+            <a:r>
+              <a:rPr lang="en-US" dirty="0"/>
+              <a:t>Waffle</a:t>
+            </a:r>
+          </a:p>
+        </p:txBody>
+      </p:sp>
+      <p:sp>
+        <p:nvSpPr>
+          <p:cNvPr id="9" name="Rectangle 8">
+            <a:extLst>
+              <a:ext uri="{FF2B5EF4-FFF2-40B4-BE49-F238E27FC236}">
+                <a16:creationId xmlns:a16="http://schemas.microsoft.com/office/drawing/2014/main" id="{7B2E2893-34D0-0A49-AC5E-2C399F77C734}"/>
+              </a:ext>
+            </a:extLst>
+          </p:cNvPr>
+          <p:cNvSpPr/>
+          <p:nvPr/>
+        </p:nvSpPr>
+        <p:spPr>
+          <a:xfrm>
+            <a:off x="3746938" y="3473671"/>
+            <a:ext cx="1965434" cy="553107"/>
+          </a:xfrm>
+          <a:prstGeom prst="rect">
+            <a:avLst/>
+          </a:prstGeom>
+        </p:spPr>
+        <p:style>
+          <a:lnRef idx="2">
+            <a:schemeClr val="accent1">
+              <a:shade val="50000"/>
+            </a:schemeClr>
+          </a:lnRef>
+          <a:fillRef idx="1">
+            <a:schemeClr val="accent1"/>
+          </a:fillRef>
+          <a:effectRef idx="0">
+            <a:schemeClr val="accent1"/>
+          </a:effectRef>
+          <a:fontRef idx="minor">
+            <a:schemeClr val="lt1"/>
+          </a:fontRef>
+        </p:style>
+        <p:txBody>
+          <a:bodyPr rtlCol="0" anchor="ctr"/>
+          <a:lstStyle/>
+          <a:p>
+            <a:pPr algn="ctr"/>
+            <a:r>
+              <a:rPr lang="en-US" dirty="0"/>
+              <a:t>Breakfast Burrito</a:t>
+            </a:r>
+          </a:p>
+        </p:txBody>
+      </p:sp>
+      <p:sp>
+        <p:nvSpPr>
+          <p:cNvPr id="10" name="Rectangle 9">
+            <a:extLst>
+              <a:ext uri="{FF2B5EF4-FFF2-40B4-BE49-F238E27FC236}">
+                <a16:creationId xmlns:a16="http://schemas.microsoft.com/office/drawing/2014/main" id="{27BA4E57-66B1-204C-A152-ABA3304929FD}"/>
+              </a:ext>
+            </a:extLst>
+          </p:cNvPr>
+          <p:cNvSpPr/>
+          <p:nvPr/>
+        </p:nvSpPr>
+        <p:spPr>
+          <a:xfrm>
+            <a:off x="3746938" y="4385442"/>
+            <a:ext cx="1965434" cy="553107"/>
+          </a:xfrm>
+          <a:prstGeom prst="rect">
+            <a:avLst/>
+          </a:prstGeom>
+        </p:spPr>
+        <p:style>
+          <a:lnRef idx="2">
+            <a:schemeClr val="accent1">
+              <a:shade val="50000"/>
+            </a:schemeClr>
+          </a:lnRef>
+          <a:fillRef idx="1">
+            <a:schemeClr val="accent1"/>
+          </a:fillRef>
+          <a:effectRef idx="0">
+            <a:schemeClr val="accent1"/>
+          </a:effectRef>
+          <a:fontRef idx="minor">
+            <a:schemeClr val="lt1"/>
+          </a:fontRef>
+        </p:style>
+        <p:txBody>
+          <a:bodyPr rtlCol="0" anchor="ctr"/>
+          <a:lstStyle/>
+          <a:p>
+            <a:pPr algn="ctr"/>
+            <a:r>
+              <a:rPr lang="en-US" dirty="0"/>
+              <a:t>Donuts</a:t>
+            </a:r>
+          </a:p>
+        </p:txBody>
+      </p:sp>
+      <p:sp>
+        <p:nvSpPr>
+          <p:cNvPr id="11" name="Rectangle 10">
+            <a:extLst>
+              <a:ext uri="{FF2B5EF4-FFF2-40B4-BE49-F238E27FC236}">
+                <a16:creationId xmlns:a16="http://schemas.microsoft.com/office/drawing/2014/main" id="{6D261EED-0678-F34A-8903-9E730CDD793A}"/>
+              </a:ext>
+            </a:extLst>
+          </p:cNvPr>
+          <p:cNvSpPr/>
+          <p:nvPr/>
+        </p:nvSpPr>
+        <p:spPr>
+          <a:xfrm>
+            <a:off x="1576552" y="3473670"/>
+            <a:ext cx="1965434" cy="553107"/>
+          </a:xfrm>
+          <a:prstGeom prst="rect">
+            <a:avLst/>
+          </a:prstGeom>
+        </p:spPr>
+        <p:style>
+          <a:lnRef idx="2">
+            <a:schemeClr val="accent1">
+              <a:shade val="50000"/>
+            </a:schemeClr>
+          </a:lnRef>
+          <a:fillRef idx="1">
+            <a:schemeClr val="accent1"/>
+          </a:fillRef>
+          <a:effectRef idx="0">
+            <a:schemeClr val="accent1"/>
+          </a:effectRef>
+          <a:fontRef idx="minor">
+            <a:schemeClr val="lt1"/>
+          </a:fontRef>
+        </p:style>
+        <p:txBody>
+          <a:bodyPr rtlCol="0" anchor="ctr"/>
+          <a:lstStyle/>
+          <a:p>
+            <a:pPr algn="ctr"/>
+            <a:r>
+              <a:rPr lang="en-US" dirty="0"/>
+              <a:t>Omelet</a:t>
+            </a:r>
+          </a:p>
+        </p:txBody>
+      </p:sp>
+      <p:sp>
+        <p:nvSpPr>
+          <p:cNvPr id="12" name="Rectangle 11">
+            <a:extLst>
+              <a:ext uri="{FF2B5EF4-FFF2-40B4-BE49-F238E27FC236}">
+                <a16:creationId xmlns:a16="http://schemas.microsoft.com/office/drawing/2014/main" id="{6CACFC12-81EB-3347-8295-F7E4E72E5B72}"/>
+              </a:ext>
+            </a:extLst>
+          </p:cNvPr>
+          <p:cNvSpPr/>
+          <p:nvPr/>
+        </p:nvSpPr>
+        <p:spPr>
+          <a:xfrm>
+            <a:off x="1576552" y="4415164"/>
+            <a:ext cx="1965434" cy="553107"/>
+          </a:xfrm>
+          <a:prstGeom prst="rect">
+            <a:avLst/>
+          </a:prstGeom>
+        </p:spPr>
+        <p:style>
+          <a:lnRef idx="2">
+            <a:schemeClr val="accent1">
+              <a:shade val="50000"/>
+            </a:schemeClr>
+          </a:lnRef>
+          <a:fillRef idx="1">
+            <a:schemeClr val="accent1"/>
+          </a:fillRef>
+          <a:effectRef idx="0">
+            <a:schemeClr val="accent1"/>
+          </a:effectRef>
+          <a:fontRef idx="minor">
+            <a:schemeClr val="lt1"/>
+          </a:fontRef>
+        </p:style>
+        <p:txBody>
+          <a:bodyPr rtlCol="0" anchor="ctr"/>
+          <a:lstStyle/>
+          <a:p>
+            <a:pPr algn="ctr"/>
+            <a:r>
+              <a:rPr lang="en-US" dirty="0"/>
+              <a:t>Deviled Eggs</a:t>
+            </a:r>
+          </a:p>
+        </p:txBody>
+      </p:sp>
+      <p:sp>
+        <p:nvSpPr>
+          <p:cNvPr id="13" name="Rectangle 12">
+            <a:extLst>
+              <a:ext uri="{FF2B5EF4-FFF2-40B4-BE49-F238E27FC236}">
+                <a16:creationId xmlns:a16="http://schemas.microsoft.com/office/drawing/2014/main" id="{A939D407-0E4B-0B40-842E-A9B75A2ED022}"/>
+              </a:ext>
+            </a:extLst>
+          </p:cNvPr>
+          <p:cNvSpPr/>
+          <p:nvPr/>
+        </p:nvSpPr>
+        <p:spPr>
+          <a:xfrm>
+            <a:off x="1576552" y="5297213"/>
+            <a:ext cx="1965434" cy="553107"/>
+          </a:xfrm>
+          <a:prstGeom prst="rect">
+            <a:avLst/>
+          </a:prstGeom>
+        </p:spPr>
+        <p:style>
+          <a:lnRef idx="2">
+            <a:schemeClr val="accent1">
+              <a:shade val="50000"/>
+            </a:schemeClr>
+          </a:lnRef>
+          <a:fillRef idx="1">
+            <a:schemeClr val="accent1"/>
+          </a:fillRef>
+          <a:effectRef idx="0">
+            <a:schemeClr val="accent1"/>
+          </a:effectRef>
+          <a:fontRef idx="minor">
+            <a:schemeClr val="lt1"/>
+          </a:fontRef>
+        </p:style>
+        <p:txBody>
+          <a:bodyPr rtlCol="0" anchor="ctr"/>
+          <a:lstStyle/>
+          <a:p>
+            <a:pPr algn="ctr"/>
+            <a:r>
+              <a:rPr lang="en-US" dirty="0"/>
+              <a:t>Huevos Rancheros</a:t>
+            </a:r>
+          </a:p>
+        </p:txBody>
+      </p:sp>
+      <p:sp>
+        <p:nvSpPr>
+          <p:cNvPr id="14" name="Rectangle 13">
+            <a:extLst>
+              <a:ext uri="{FF2B5EF4-FFF2-40B4-BE49-F238E27FC236}">
+                <a16:creationId xmlns:a16="http://schemas.microsoft.com/office/drawing/2014/main" id="{F226D560-6212-DE4C-9F7A-DF9808060400}"/>
+              </a:ext>
+            </a:extLst>
+          </p:cNvPr>
+          <p:cNvSpPr/>
+          <p:nvPr/>
+        </p:nvSpPr>
+        <p:spPr>
+          <a:xfrm>
+            <a:off x="3746939" y="5297213"/>
+            <a:ext cx="1965434" cy="553107"/>
+          </a:xfrm>
+          <a:prstGeom prst="rect">
+            <a:avLst/>
+          </a:prstGeom>
+        </p:spPr>
+        <p:style>
+          <a:lnRef idx="2">
+            <a:schemeClr val="accent1">
+              <a:shade val="50000"/>
+            </a:schemeClr>
+          </a:lnRef>
+          <a:fillRef idx="1">
+            <a:schemeClr val="accent1"/>
+          </a:fillRef>
+          <a:effectRef idx="0">
+            <a:schemeClr val="accent1"/>
+          </a:effectRef>
+          <a:fontRef idx="minor">
+            <a:schemeClr val="lt1"/>
+          </a:fontRef>
+        </p:style>
+        <p:txBody>
+          <a:bodyPr rtlCol="0" anchor="ctr"/>
+          <a:lstStyle/>
+          <a:p>
+            <a:pPr algn="ctr"/>
+            <a:r>
+              <a:rPr lang="en-US" dirty="0"/>
+              <a:t>Pancakes</a:t>
+            </a:r>
+          </a:p>
+        </p:txBody>
+      </p:sp>
+      <p:sp>
+        <p:nvSpPr>
+          <p:cNvPr id="15" name="Rectangle 14">
+            <a:extLst>
+              <a:ext uri="{FF2B5EF4-FFF2-40B4-BE49-F238E27FC236}">
+                <a16:creationId xmlns:a16="http://schemas.microsoft.com/office/drawing/2014/main" id="{16804DEC-71A7-FB41-961A-9A15162674EB}"/>
+              </a:ext>
+            </a:extLst>
+          </p:cNvPr>
+          <p:cNvSpPr/>
+          <p:nvPr/>
+        </p:nvSpPr>
+        <p:spPr>
+          <a:xfrm>
+            <a:off x="4535214" y="1459624"/>
+            <a:ext cx="2769476" cy="553107"/>
+          </a:xfrm>
+          <a:prstGeom prst="rect">
+            <a:avLst/>
+          </a:prstGeom>
+        </p:spPr>
+        <p:style>
+          <a:lnRef idx="2">
+            <a:schemeClr val="accent1">
+              <a:shade val="50000"/>
+            </a:schemeClr>
+          </a:lnRef>
+          <a:fillRef idx="1">
+            <a:schemeClr val="accent1"/>
+          </a:fillRef>
+          <a:effectRef idx="0">
+            <a:schemeClr val="accent1"/>
+          </a:effectRef>
+          <a:fontRef idx="minor">
+            <a:schemeClr val="lt1"/>
+          </a:fontRef>
+        </p:style>
+        <p:txBody>
+          <a:bodyPr rtlCol="0" anchor="ctr"/>
+          <a:lstStyle/>
+          <a:p>
+            <a:pPr algn="ctr"/>
+            <a:r>
+              <a:rPr lang="en-US" dirty="0"/>
+              <a:t>Are You Hungry?</a:t>
+            </a:r>
+          </a:p>
+        </p:txBody>
+      </p:sp>
+      <p:cxnSp>
+        <p:nvCxnSpPr>
+          <p:cNvPr id="17" name="Straight Connector 16">
+            <a:extLst>
+              <a:ext uri="{FF2B5EF4-FFF2-40B4-BE49-F238E27FC236}">
+                <a16:creationId xmlns:a16="http://schemas.microsoft.com/office/drawing/2014/main" id="{73A99E4B-53C3-F64A-BFA6-39927F533B7C}"/>
+              </a:ext>
+            </a:extLst>
+          </p:cNvPr>
+          <p:cNvCxnSpPr>
+            <a:cxnSpLocks/>
+            <a:stCxn id="15" idx="2"/>
+          </p:cNvCxnSpPr>
+          <p:nvPr/>
+        </p:nvCxnSpPr>
+        <p:spPr>
+          <a:xfrm>
+            <a:off x="5919952" y="2012731"/>
+            <a:ext cx="0" cy="278524"/>
+          </a:xfrm>
+          <a:prstGeom prst="line">
+            <a:avLst/>
+          </a:prstGeom>
+        </p:spPr>
+        <p:style>
+          <a:lnRef idx="2">
+            <a:schemeClr val="accent1"/>
+          </a:lnRef>
+          <a:fillRef idx="0">
+            <a:schemeClr val="accent1"/>
+          </a:fillRef>
+          <a:effectRef idx="1">
+            <a:schemeClr val="accent1"/>
+          </a:effectRef>
+          <a:fontRef idx="minor">
+            <a:schemeClr val="tx1"/>
+          </a:fontRef>
+        </p:style>
+      </p:cxnSp>
+      <p:cxnSp>
+        <p:nvCxnSpPr>
+          <p:cNvPr id="21" name="Straight Connector 20">
+            <a:extLst>
+              <a:ext uri="{FF2B5EF4-FFF2-40B4-BE49-F238E27FC236}">
+                <a16:creationId xmlns:a16="http://schemas.microsoft.com/office/drawing/2014/main" id="{85F45C06-53EF-5543-B4ED-180045A1DC0B}"/>
+              </a:ext>
+            </a:extLst>
+          </p:cNvPr>
+          <p:cNvCxnSpPr>
+            <a:cxnSpLocks/>
+          </p:cNvCxnSpPr>
+          <p:nvPr/>
+        </p:nvCxnSpPr>
+        <p:spPr>
+          <a:xfrm flipH="1">
+            <a:off x="2611825" y="2291254"/>
+            <a:ext cx="6374520" cy="0"/>
+          </a:xfrm>
+          <a:prstGeom prst="line">
+            <a:avLst/>
+          </a:prstGeom>
+        </p:spPr>
+        <p:style>
+          <a:lnRef idx="2">
+            <a:schemeClr val="accent1"/>
+          </a:lnRef>
+          <a:fillRef idx="0">
+            <a:schemeClr val="accent1"/>
+          </a:fillRef>
+          <a:effectRef idx="1">
+            <a:schemeClr val="accent1"/>
+          </a:effectRef>
+          <a:fontRef idx="minor">
+            <a:schemeClr val="tx1"/>
+          </a:fontRef>
+        </p:style>
+      </p:cxnSp>
+      <p:sp>
+        <p:nvSpPr>
+          <p:cNvPr id="46" name="Rectangle 45">
+            <a:extLst>
+              <a:ext uri="{FF2B5EF4-FFF2-40B4-BE49-F238E27FC236}">
+                <a16:creationId xmlns:a16="http://schemas.microsoft.com/office/drawing/2014/main" id="{0CDC5FEC-2656-8141-993F-406E9B2AC009}"/>
+              </a:ext>
+            </a:extLst>
+          </p:cNvPr>
+          <p:cNvSpPr/>
+          <p:nvPr/>
+        </p:nvSpPr>
+        <p:spPr>
+          <a:xfrm>
+            <a:off x="7366455" y="2941598"/>
+            <a:ext cx="3281821" cy="1996951"/>
+          </a:xfrm>
+          <a:prstGeom prst="rect">
+            <a:avLst/>
+          </a:prstGeom>
+        </p:spPr>
+        <p:style>
+          <a:lnRef idx="2">
+            <a:schemeClr val="accent1">
+              <a:shade val="50000"/>
+            </a:schemeClr>
+          </a:lnRef>
+          <a:fillRef idx="1">
+            <a:schemeClr val="accent1"/>
+          </a:fillRef>
+          <a:effectRef idx="0">
+            <a:schemeClr val="accent1"/>
+          </a:effectRef>
+          <a:fontRef idx="minor">
+            <a:schemeClr val="lt1"/>
+          </a:fontRef>
+        </p:style>
+        <p:txBody>
+          <a:bodyPr rtlCol="0" anchor="ctr"/>
+          <a:lstStyle/>
+          <a:p>
+            <a:pPr algn="ctr"/>
+            <a:r>
+              <a:rPr lang="en-US" b="1" dirty="0"/>
+              <a:t>NOT BREAKFAST !!!</a:t>
+            </a:r>
+          </a:p>
+        </p:txBody>
+      </p:sp>
+      <p:cxnSp>
+        <p:nvCxnSpPr>
+          <p:cNvPr id="56" name="Straight Connector 55">
+            <a:extLst>
+              <a:ext uri="{FF2B5EF4-FFF2-40B4-BE49-F238E27FC236}">
+                <a16:creationId xmlns:a16="http://schemas.microsoft.com/office/drawing/2014/main" id="{8B8EA222-74D2-D445-B671-279F712C3D15}"/>
+              </a:ext>
+            </a:extLst>
+          </p:cNvPr>
+          <p:cNvCxnSpPr>
+            <a:cxnSpLocks/>
+            <a:endCxn id="46" idx="0"/>
+          </p:cNvCxnSpPr>
+          <p:nvPr/>
+        </p:nvCxnSpPr>
+        <p:spPr>
+          <a:xfrm>
+            <a:off x="9007366" y="2282049"/>
+            <a:ext cx="0" cy="659549"/>
+          </a:xfrm>
+          <a:prstGeom prst="line">
+            <a:avLst/>
+          </a:prstGeom>
+        </p:spPr>
+        <p:style>
+          <a:lnRef idx="2">
+            <a:schemeClr val="accent1"/>
+          </a:lnRef>
+          <a:fillRef idx="0">
+            <a:schemeClr val="accent1"/>
+          </a:fillRef>
+          <a:effectRef idx="1">
+            <a:schemeClr val="accent1"/>
+          </a:effectRef>
+          <a:fontRef idx="minor">
+            <a:schemeClr val="tx1"/>
+          </a:fontRef>
+        </p:style>
+      </p:cxnSp>
     </p:spTree>
     <p:extLst>
       <p:ext uri="{BB962C8B-B14F-4D97-AF65-F5344CB8AC3E}">
-        <p14:creationId xmlns:p14="http://schemas.microsoft.com/office/powerpoint/2010/main" val="4075096909"/>
+        <p14:creationId xmlns:p14="http://schemas.microsoft.com/office/powerpoint/2010/main" val="1009409125"/>
       </p:ext>
     </p:extLst>
   </p:cSld>
@@ -4772,6 +5332,191 @@
           <p:cNvPr id="2" name="Title 1">
             <a:extLst>
               <a:ext uri="{FF2B5EF4-FFF2-40B4-BE49-F238E27FC236}">
+                <a16:creationId xmlns:a16="http://schemas.microsoft.com/office/drawing/2014/main" id="{1F3A9D0C-D02F-674A-9188-88D06BC3DFE1}"/>
+              </a:ext>
+            </a:extLst>
+          </p:cNvPr>
+          <p:cNvSpPr>
+            <a:spLocks noGrp="1"/>
+          </p:cNvSpPr>
+          <p:nvPr>
+            <p:ph type="title"/>
+          </p:nvPr>
+        </p:nvSpPr>
+        <p:spPr>
+          <a:xfrm>
+            <a:off x="1371600" y="423746"/>
+            <a:ext cx="9601200" cy="1485900"/>
+          </a:xfrm>
+        </p:spPr>
+        <p:txBody>
+          <a:bodyPr/>
+          <a:lstStyle/>
+          <a:p>
+            <a:r>
+              <a:rPr lang="en-US" b="1" u="sng" dirty="0"/>
+              <a:t>Model Outline</a:t>
+            </a:r>
+            <a:br>
+              <a:rPr lang="en-US" dirty="0"/>
+            </a:br>
+            <a:endParaRPr lang="en-US" dirty="0"/>
+          </a:p>
+        </p:txBody>
+      </p:sp>
+      <p:sp>
+        <p:nvSpPr>
+          <p:cNvPr id="3" name="Content Placeholder 2">
+            <a:extLst>
+              <a:ext uri="{FF2B5EF4-FFF2-40B4-BE49-F238E27FC236}">
+                <a16:creationId xmlns:a16="http://schemas.microsoft.com/office/drawing/2014/main" id="{98C05C24-34CC-7245-AEBE-E70B48D48D7A}"/>
+              </a:ext>
+            </a:extLst>
+          </p:cNvPr>
+          <p:cNvSpPr>
+            <a:spLocks noGrp="1"/>
+          </p:cNvSpPr>
+          <p:nvPr>
+            <p:ph idx="1"/>
+          </p:nvPr>
+        </p:nvSpPr>
+        <p:spPr>
+          <a:xfrm>
+            <a:off x="1371600" y="1315843"/>
+            <a:ext cx="9601200" cy="4895386"/>
+          </a:xfrm>
+        </p:spPr>
+        <p:txBody>
+          <a:bodyPr>
+            <a:normAutofit fontScale="92500" lnSpcReduction="20000"/>
+          </a:bodyPr>
+          <a:lstStyle/>
+          <a:p>
+            <a:r>
+              <a:rPr lang="en-US" dirty="0"/>
+              <a:t>Split the image data into train and test</a:t>
+            </a:r>
+          </a:p>
+          <a:p>
+            <a:r>
+              <a:rPr lang="en-US" dirty="0"/>
+              <a:t>Prepared “Training” dataset</a:t>
+            </a:r>
+          </a:p>
+          <a:p>
+            <a:r>
+              <a:rPr lang="en-US" dirty="0"/>
+              <a:t>Prepared “Testing” dataset</a:t>
+            </a:r>
+          </a:p>
+          <a:p>
+            <a:r>
+              <a:rPr lang="en-US" dirty="0"/>
+              <a:t>For computational efficiency, limited the dataset to 9 classes to develop the multiclass classification model</a:t>
+            </a:r>
+          </a:p>
+          <a:p>
+            <a:r>
+              <a:rPr lang="en-US" dirty="0"/>
+              <a:t>Generated separate data folders for each class</a:t>
+            </a:r>
+          </a:p>
+          <a:p>
+            <a:r>
+              <a:rPr lang="en-US" dirty="0"/>
+              <a:t>Fine tuned Inception Pretrained model </a:t>
+            </a:r>
+          </a:p>
+          <a:p>
+            <a:pPr lvl="1"/>
+            <a:r>
+              <a:rPr lang="en-US" dirty="0"/>
+              <a:t>Use Keras to provide pretrained model</a:t>
+            </a:r>
+          </a:p>
+          <a:p>
+            <a:pPr lvl="1"/>
+            <a:r>
+              <a:rPr lang="en-US" dirty="0"/>
+              <a:t>Using the pretrained model, we were able to use the already learned weights and add few layers on top to finetune the model to our new data</a:t>
+            </a:r>
+          </a:p>
+          <a:p>
+            <a:pPr lvl="1"/>
+            <a:r>
+              <a:rPr lang="en-US" dirty="0"/>
+              <a:t>This helps in faster convergence and saves time and computation when compared to models trained from scratch</a:t>
+            </a:r>
+          </a:p>
+          <a:p>
+            <a:r>
+              <a:rPr lang="en-US" dirty="0"/>
+              <a:t>Visualized the accuracy of the model</a:t>
+            </a:r>
+          </a:p>
+          <a:p>
+            <a:r>
+              <a:rPr lang="en-US" dirty="0"/>
+              <a:t>Predicted classes for new images from internet using the best trained model</a:t>
+            </a:r>
+          </a:p>
+          <a:p>
+            <a:r>
+              <a:rPr lang="en-US" dirty="0"/>
+              <a:t>Set compile=False and clearing the session leads to faster loading of the saved model</a:t>
+            </a:r>
+          </a:p>
+          <a:p>
+            <a:endParaRPr lang="en-US" dirty="0"/>
+          </a:p>
+          <a:p>
+            <a:pPr lvl="1"/>
+            <a:endParaRPr lang="en-US" dirty="0"/>
+          </a:p>
+          <a:p>
+            <a:pPr lvl="1"/>
+            <a:endParaRPr lang="en-US" dirty="0"/>
+          </a:p>
+          <a:p>
+            <a:endParaRPr lang="en-US" dirty="0"/>
+          </a:p>
+        </p:txBody>
+      </p:sp>
+    </p:spTree>
+    <p:extLst>
+      <p:ext uri="{BB962C8B-B14F-4D97-AF65-F5344CB8AC3E}">
+        <p14:creationId xmlns:p14="http://schemas.microsoft.com/office/powerpoint/2010/main" val="4075096909"/>
+      </p:ext>
+    </p:extLst>
+  </p:cSld>
+  <p:clrMapOvr>
+    <a:masterClrMapping/>
+  </p:clrMapOvr>
+</p:sld>
+</file>
+
+<file path=ppt/slides/slide6.xml><?xml version="1.0" encoding="utf-8"?>
+<p:sld xmlns:a="http://schemas.openxmlformats.org/drawingml/2006/main" xmlns:r="http://schemas.openxmlformats.org/officeDocument/2006/relationships" xmlns:p="http://schemas.openxmlformats.org/presentationml/2006/main">
+  <p:cSld>
+    <p:spTree>
+      <p:nvGrpSpPr>
+        <p:cNvPr id="1" name=""/>
+        <p:cNvGrpSpPr/>
+        <p:nvPr/>
+      </p:nvGrpSpPr>
+      <p:grpSpPr>
+        <a:xfrm>
+          <a:off x="0" y="0"/>
+          <a:ext cx="0" cy="0"/>
+          <a:chOff x="0" y="0"/>
+          <a:chExt cx="0" cy="0"/>
+        </a:xfrm>
+      </p:grpSpPr>
+      <p:sp>
+        <p:nvSpPr>
+          <p:cNvPr id="2" name="Title 1">
+            <a:extLst>
+              <a:ext uri="{FF2B5EF4-FFF2-40B4-BE49-F238E27FC236}">
                 <a16:creationId xmlns:a16="http://schemas.microsoft.com/office/drawing/2014/main" id="{939D68D7-98BE-9F43-BAD9-07A671310B2B}"/>
               </a:ext>
             </a:extLst>
@@ -4901,7 +5646,7 @@
 </p:sld>
 </file>
 
-<file path=ppt/slides/slide6.xml><?xml version="1.0" encoding="utf-8"?>
+<file path=ppt/slides/slide7.xml><?xml version="1.0" encoding="utf-8"?>
 <p:sld xmlns:a="http://schemas.openxmlformats.org/drawingml/2006/main" xmlns:r="http://schemas.openxmlformats.org/officeDocument/2006/relationships" xmlns:p="http://schemas.openxmlformats.org/presentationml/2006/main">
   <p:cSld>
     <p:bg>
@@ -4971,7 +5716,7 @@
 </p:sld>
 </file>
 
-<file path=ppt/slides/slide7.xml><?xml version="1.0" encoding="utf-8"?>
+<file path=ppt/slides/slide8.xml><?xml version="1.0" encoding="utf-8"?>
 <p:sld xmlns:a="http://schemas.openxmlformats.org/drawingml/2006/main" xmlns:r="http://schemas.openxmlformats.org/officeDocument/2006/relationships" xmlns:p="http://schemas.openxmlformats.org/presentationml/2006/main">
   <p:cSld>
     <p:spTree>
@@ -5015,9 +5760,10 @@
           <a:lstStyle/>
           <a:p>
             <a:r>
-              <a:rPr lang="en-US" b="1" u="sng" dirty="0"/>
-              <a:t>Postmortem Analysis</a:t>
-            </a:r>
+              <a:rPr lang="en-US" b="1" u="sng"/>
+              <a:t>Future Works</a:t>
+            </a:r>
+            <a:endParaRPr lang="en-US" b="1" u="sng" dirty="0"/>
           </a:p>
         </p:txBody>
       </p:sp>
@@ -5049,7 +5795,7 @@
           <a:p>
             <a:r>
               <a:rPr lang="en-US" dirty="0"/>
-              <a:t>Currently our model is able to accurately predict the outcome from three classes of food – waffles, omelet, French toast</a:t>
+              <a:t>Currently our model is able to accurately predict the outcome from nine classes of food – waffles, omelet, French toast, breakfast burrito, donuts, pancakes, deviled eggs, huevos rancheros, “not breakfast food”</a:t>
             </a:r>
           </a:p>
           <a:p>
@@ -5071,6 +5817,12 @@
               <a:rPr lang="en-US" dirty="0"/>
               <a:t>With more time, we would like to turn this functionality into an application that enables the end user to use the camera on their phone to take a picture of a food and receive a response </a:t>
             </a:r>
+          </a:p>
+          <a:p>
+            <a:pPr marL="530352" lvl="1" indent="0">
+              <a:buNone/>
+            </a:pPr>
+            <a:endParaRPr lang="en-US" dirty="0"/>
           </a:p>
         </p:txBody>
       </p:sp>
@@ -5087,7 +5839,7 @@
 </p:sld>
 </file>
 
-<file path=ppt/slides/slide8.xml><?xml version="1.0" encoding="utf-8"?>
+<file path=ppt/slides/slide9.xml><?xml version="1.0" encoding="utf-8"?>
 <p:sld xmlns:a="http://schemas.openxmlformats.org/drawingml/2006/main" xmlns:r="http://schemas.openxmlformats.org/officeDocument/2006/relationships" xmlns:p="http://schemas.openxmlformats.org/presentationml/2006/main">
   <p:cSld>
     <p:bg>
